--- a/Projekt_ML/prezentacja.pptx
+++ b/Projekt_ML/prezentacja.pptx
@@ -9,16 +9,14 @@
     <p:sldId id="257" r:id="rId3"/>
     <p:sldId id="259" r:id="rId4"/>
     <p:sldId id="260" r:id="rId5"/>
-    <p:sldId id="261" r:id="rId6"/>
-    <p:sldId id="262" r:id="rId7"/>
-    <p:sldId id="263" r:id="rId8"/>
-    <p:sldId id="264" r:id="rId9"/>
-    <p:sldId id="266" r:id="rId10"/>
-    <p:sldId id="265" r:id="rId11"/>
-    <p:sldId id="267" r:id="rId12"/>
-    <p:sldId id="268" r:id="rId13"/>
-    <p:sldId id="269" r:id="rId14"/>
-    <p:sldId id="270" r:id="rId15"/>
+    <p:sldId id="262" r:id="rId6"/>
+    <p:sldId id="264" r:id="rId7"/>
+    <p:sldId id="266" r:id="rId8"/>
+    <p:sldId id="265" r:id="rId9"/>
+    <p:sldId id="267" r:id="rId10"/>
+    <p:sldId id="268" r:id="rId11"/>
+    <p:sldId id="269" r:id="rId12"/>
+    <p:sldId id="270" r:id="rId13"/>
   </p:sldIdLst>
   <p:sldSz cx="12192000" cy="6858000"/>
   <p:notesSz cx="6858000" cy="9144000"/>
@@ -117,6 +115,11 @@
       </a:defRPr>
     </a:lvl9pPr>
   </p:defaultTextStyle>
+  <p:extLst>
+    <p:ext uri="{EFAFB233-063F-42B5-8137-9DF3F51BA10A}">
+      <p15:sldGuideLst xmlns:p15="http://schemas.microsoft.com/office/powerpoint/2012/main"/>
+    </p:ext>
+  </p:extLst>
 </p:presentation>
 </file>
 
@@ -267,7 +270,7 @@
           <a:p>
             <a:fld id="{F0863A89-D3A8-4D13-943C-1BFC5D2ED7BC}" type="datetimeFigureOut">
               <a:rPr lang="pl-PL" smtClean="0"/>
-              <a:t>16.02.2022</a:t>
+              <a:t>20.02.2022</a:t>
             </a:fld>
             <a:endParaRPr lang="pl-PL"/>
           </a:p>
@@ -465,7 +468,7 @@
           <a:p>
             <a:fld id="{F0863A89-D3A8-4D13-943C-1BFC5D2ED7BC}" type="datetimeFigureOut">
               <a:rPr lang="pl-PL" smtClean="0"/>
-              <a:t>16.02.2022</a:t>
+              <a:t>20.02.2022</a:t>
             </a:fld>
             <a:endParaRPr lang="pl-PL"/>
           </a:p>
@@ -673,7 +676,7 @@
           <a:p>
             <a:fld id="{F0863A89-D3A8-4D13-943C-1BFC5D2ED7BC}" type="datetimeFigureOut">
               <a:rPr lang="pl-PL" smtClean="0"/>
-              <a:t>16.02.2022</a:t>
+              <a:t>20.02.2022</a:t>
             </a:fld>
             <a:endParaRPr lang="pl-PL"/>
           </a:p>
@@ -871,7 +874,7 @@
           <a:p>
             <a:fld id="{F0863A89-D3A8-4D13-943C-1BFC5D2ED7BC}" type="datetimeFigureOut">
               <a:rPr lang="pl-PL" smtClean="0"/>
-              <a:t>16.02.2022</a:t>
+              <a:t>20.02.2022</a:t>
             </a:fld>
             <a:endParaRPr lang="pl-PL"/>
           </a:p>
@@ -1146,7 +1149,7 @@
           <a:p>
             <a:fld id="{F0863A89-D3A8-4D13-943C-1BFC5D2ED7BC}" type="datetimeFigureOut">
               <a:rPr lang="pl-PL" smtClean="0"/>
-              <a:t>16.02.2022</a:t>
+              <a:t>20.02.2022</a:t>
             </a:fld>
             <a:endParaRPr lang="pl-PL"/>
           </a:p>
@@ -1411,7 +1414,7 @@
           <a:p>
             <a:fld id="{F0863A89-D3A8-4D13-943C-1BFC5D2ED7BC}" type="datetimeFigureOut">
               <a:rPr lang="pl-PL" smtClean="0"/>
-              <a:t>16.02.2022</a:t>
+              <a:t>20.02.2022</a:t>
             </a:fld>
             <a:endParaRPr lang="pl-PL"/>
           </a:p>
@@ -1823,7 +1826,7 @@
           <a:p>
             <a:fld id="{F0863A89-D3A8-4D13-943C-1BFC5D2ED7BC}" type="datetimeFigureOut">
               <a:rPr lang="pl-PL" smtClean="0"/>
-              <a:t>16.02.2022</a:t>
+              <a:t>20.02.2022</a:t>
             </a:fld>
             <a:endParaRPr lang="pl-PL"/>
           </a:p>
@@ -1964,7 +1967,7 @@
           <a:p>
             <a:fld id="{F0863A89-D3A8-4D13-943C-1BFC5D2ED7BC}" type="datetimeFigureOut">
               <a:rPr lang="pl-PL" smtClean="0"/>
-              <a:t>16.02.2022</a:t>
+              <a:t>20.02.2022</a:t>
             </a:fld>
             <a:endParaRPr lang="pl-PL"/>
           </a:p>
@@ -2077,7 +2080,7 @@
           <a:p>
             <a:fld id="{F0863A89-D3A8-4D13-943C-1BFC5D2ED7BC}" type="datetimeFigureOut">
               <a:rPr lang="pl-PL" smtClean="0"/>
-              <a:t>16.02.2022</a:t>
+              <a:t>20.02.2022</a:t>
             </a:fld>
             <a:endParaRPr lang="pl-PL"/>
           </a:p>
@@ -2388,7 +2391,7 @@
           <a:p>
             <a:fld id="{F0863A89-D3A8-4D13-943C-1BFC5D2ED7BC}" type="datetimeFigureOut">
               <a:rPr lang="pl-PL" smtClean="0"/>
-              <a:t>16.02.2022</a:t>
+              <a:t>20.02.2022</a:t>
             </a:fld>
             <a:endParaRPr lang="pl-PL"/>
           </a:p>
@@ -2676,7 +2679,7 @@
           <a:p>
             <a:fld id="{F0863A89-D3A8-4D13-943C-1BFC5D2ED7BC}" type="datetimeFigureOut">
               <a:rPr lang="pl-PL" smtClean="0"/>
-              <a:t>16.02.2022</a:t>
+              <a:t>20.02.2022</a:t>
             </a:fld>
             <a:endParaRPr lang="pl-PL"/>
           </a:p>
@@ -2917,7 +2920,7 @@
           <a:p>
             <a:fld id="{F0863A89-D3A8-4D13-943C-1BFC5D2ED7BC}" type="datetimeFigureOut">
               <a:rPr lang="pl-PL" smtClean="0"/>
-              <a:t>16.02.2022</a:t>
+              <a:t>20.02.2022</a:t>
             </a:fld>
             <a:endParaRPr lang="pl-PL"/>
           </a:p>
@@ -3665,12 +3668,59 @@
           <a:chExt cx="0" cy="0"/>
         </a:xfrm>
       </p:grpSpPr>
+      <p:pic>
+        <p:nvPicPr>
+          <p:cNvPr id="12290" name="Picture 2">
+            <a:extLst>
+              <a:ext uri="{FF2B5EF4-FFF2-40B4-BE49-F238E27FC236}">
+                <a16:creationId xmlns:a16="http://schemas.microsoft.com/office/drawing/2014/main" id="{B359CF57-0141-4AC6-AC6B-5B7A3C71382D}"/>
+              </a:ext>
+            </a:extLst>
+          </p:cNvPr>
+          <p:cNvPicPr>
+            <a:picLocks noChangeAspect="1" noChangeArrowheads="1"/>
+          </p:cNvPicPr>
+          <p:nvPr/>
+        </p:nvPicPr>
+        <p:blipFill>
+          <a:blip r:embed="rId2">
+            <a:extLst>
+              <a:ext uri="{28A0092B-C50C-407E-A947-70E740481C1C}">
+                <a14:useLocalDpi xmlns:a14="http://schemas.microsoft.com/office/drawing/2010/main" val="0"/>
+              </a:ext>
+            </a:extLst>
+          </a:blip>
+          <a:srcRect/>
+          <a:stretch>
+            <a:fillRect/>
+          </a:stretch>
+        </p:blipFill>
+        <p:spPr bwMode="auto">
+          <a:xfrm>
+            <a:off x="1193190" y="1470657"/>
+            <a:ext cx="9720000" cy="3916686"/>
+          </a:xfrm>
+          <a:prstGeom prst="rect">
+            <a:avLst/>
+          </a:prstGeom>
+          <a:noFill/>
+          <a:extLst>
+            <a:ext uri="{909E8E84-426E-40DD-AFC4-6F175D3DCCD1}">
+              <a14:hiddenFill xmlns:a14="http://schemas.microsoft.com/office/drawing/2010/main">
+                <a:solidFill>
+                  <a:srgbClr val="FFFFFF"/>
+                </a:solidFill>
+              </a14:hiddenFill>
+            </a:ext>
+          </a:extLst>
+        </p:spPr>
+      </p:pic>
       <p:sp>
         <p:nvSpPr>
-          <p:cNvPr id="2" name="pole tekstowe 1">
-            <a:extLst>
-              <a:ext uri="{FF2B5EF4-FFF2-40B4-BE49-F238E27FC236}">
-                <a16:creationId xmlns:a16="http://schemas.microsoft.com/office/drawing/2014/main" id="{FE00E232-96E5-4DA9-9AD7-04D85C64748B}"/>
+          <p:cNvPr id="3" name="pole tekstowe 2">
+            <a:extLst>
+              <a:ext uri="{FF2B5EF4-FFF2-40B4-BE49-F238E27FC236}">
+                <a16:creationId xmlns:a16="http://schemas.microsoft.com/office/drawing/2014/main" id="{10E9F371-AEEC-48AA-BB0D-8D312BB0570D}"/>
               </a:ext>
             </a:extLst>
           </p:cNvPr>
@@ -3717,57 +3767,10 @@
           </a:p>
         </p:txBody>
       </p:sp>
-      <p:pic>
-        <p:nvPicPr>
-          <p:cNvPr id="9218" name="Picture 2">
-            <a:extLst>
-              <a:ext uri="{FF2B5EF4-FFF2-40B4-BE49-F238E27FC236}">
-                <a16:creationId xmlns:a16="http://schemas.microsoft.com/office/drawing/2014/main" id="{D9D93183-8F0A-41E9-85AC-9C7E04D8D0D5}"/>
-              </a:ext>
-            </a:extLst>
-          </p:cNvPr>
-          <p:cNvPicPr>
-            <a:picLocks noChangeAspect="1" noChangeArrowheads="1"/>
-          </p:cNvPicPr>
-          <p:nvPr/>
-        </p:nvPicPr>
-        <p:blipFill>
-          <a:blip r:embed="rId2">
-            <a:extLst>
-              <a:ext uri="{28A0092B-C50C-407E-A947-70E740481C1C}">
-                <a14:useLocalDpi xmlns:a14="http://schemas.microsoft.com/office/drawing/2010/main" val="0"/>
-              </a:ext>
-            </a:extLst>
-          </a:blip>
-          <a:srcRect/>
-          <a:stretch>
-            <a:fillRect/>
-          </a:stretch>
-        </p:blipFill>
-        <p:spPr bwMode="auto">
-          <a:xfrm>
-            <a:off x="1193190" y="1483904"/>
-            <a:ext cx="9720000" cy="3890192"/>
-          </a:xfrm>
-          <a:prstGeom prst="rect">
-            <a:avLst/>
-          </a:prstGeom>
-          <a:noFill/>
-          <a:extLst>
-            <a:ext uri="{909E8E84-426E-40DD-AFC4-6F175D3DCCD1}">
-              <a14:hiddenFill xmlns:a14="http://schemas.microsoft.com/office/drawing/2010/main">
-                <a:solidFill>
-                  <a:srgbClr val="FFFFFF"/>
-                </a:solidFill>
-              </a14:hiddenFill>
-            </a:ext>
-          </a:extLst>
-        </p:spPr>
-      </p:pic>
     </p:spTree>
     <p:extLst>
       <p:ext uri="{BB962C8B-B14F-4D97-AF65-F5344CB8AC3E}">
-        <p14:creationId xmlns:p14="http://schemas.microsoft.com/office/powerpoint/2010/main" val="1070335319"/>
+        <p14:creationId xmlns:p14="http://schemas.microsoft.com/office/powerpoint/2010/main" val="3060917325"/>
       </p:ext>
     </p:extLst>
   </p:cSld>
@@ -3794,12 +3797,59 @@
           <a:chExt cx="0" cy="0"/>
         </a:xfrm>
       </p:grpSpPr>
+      <p:pic>
+        <p:nvPicPr>
+          <p:cNvPr id="13314" name="Picture 2">
+            <a:extLst>
+              <a:ext uri="{FF2B5EF4-FFF2-40B4-BE49-F238E27FC236}">
+                <a16:creationId xmlns:a16="http://schemas.microsoft.com/office/drawing/2014/main" id="{177D5B0B-EEE1-4B64-96B1-F786FD37F817}"/>
+              </a:ext>
+            </a:extLst>
+          </p:cNvPr>
+          <p:cNvPicPr>
+            <a:picLocks noChangeAspect="1" noChangeArrowheads="1"/>
+          </p:cNvPicPr>
+          <p:nvPr/>
+        </p:nvPicPr>
+        <p:blipFill>
+          <a:blip r:embed="rId2">
+            <a:extLst>
+              <a:ext uri="{28A0092B-C50C-407E-A947-70E740481C1C}">
+                <a14:useLocalDpi xmlns:a14="http://schemas.microsoft.com/office/drawing/2010/main" val="0"/>
+              </a:ext>
+            </a:extLst>
+          </a:blip>
+          <a:srcRect/>
+          <a:stretch>
+            <a:fillRect/>
+          </a:stretch>
+        </p:blipFill>
+        <p:spPr bwMode="auto">
+          <a:xfrm>
+            <a:off x="1236000" y="1616704"/>
+            <a:ext cx="9720000" cy="3624591"/>
+          </a:xfrm>
+          <a:prstGeom prst="rect">
+            <a:avLst/>
+          </a:prstGeom>
+          <a:noFill/>
+          <a:extLst>
+            <a:ext uri="{909E8E84-426E-40DD-AFC4-6F175D3DCCD1}">
+              <a14:hiddenFill xmlns:a14="http://schemas.microsoft.com/office/drawing/2010/main">
+                <a:solidFill>
+                  <a:srgbClr val="FFFFFF"/>
+                </a:solidFill>
+              </a14:hiddenFill>
+            </a:ext>
+          </a:extLst>
+        </p:spPr>
+      </p:pic>
       <p:sp>
         <p:nvSpPr>
-          <p:cNvPr id="2" name="pole tekstowe 1">
-            <a:extLst>
-              <a:ext uri="{FF2B5EF4-FFF2-40B4-BE49-F238E27FC236}">
-                <a16:creationId xmlns:a16="http://schemas.microsoft.com/office/drawing/2014/main" id="{089374FA-B15E-4E66-8B4E-3BE70443B168}"/>
+          <p:cNvPr id="3" name="pole tekstowe 2">
+            <a:extLst>
+              <a:ext uri="{FF2B5EF4-FFF2-40B4-BE49-F238E27FC236}">
+                <a16:creationId xmlns:a16="http://schemas.microsoft.com/office/drawing/2014/main" id="{ABAE1174-895A-4A4A-ACA5-0BDC44CA053C}"/>
               </a:ext>
             </a:extLst>
           </p:cNvPr>
@@ -3846,57 +3896,10 @@
           </a:p>
         </p:txBody>
       </p:sp>
-      <p:pic>
-        <p:nvPicPr>
-          <p:cNvPr id="11266" name="Picture 2">
-            <a:extLst>
-              <a:ext uri="{FF2B5EF4-FFF2-40B4-BE49-F238E27FC236}">
-                <a16:creationId xmlns:a16="http://schemas.microsoft.com/office/drawing/2014/main" id="{94C87C98-ACBB-40C5-BD6C-A42E39F079A8}"/>
-              </a:ext>
-            </a:extLst>
-          </p:cNvPr>
-          <p:cNvPicPr>
-            <a:picLocks noChangeAspect="1" noChangeArrowheads="1"/>
-          </p:cNvPicPr>
-          <p:nvPr/>
-        </p:nvPicPr>
-        <p:blipFill>
-          <a:blip r:embed="rId2">
-            <a:extLst>
-              <a:ext uri="{28A0092B-C50C-407E-A947-70E740481C1C}">
-                <a14:useLocalDpi xmlns:a14="http://schemas.microsoft.com/office/drawing/2010/main" val="0"/>
-              </a:ext>
-            </a:extLst>
-          </a:blip>
-          <a:srcRect/>
-          <a:stretch>
-            <a:fillRect/>
-          </a:stretch>
-        </p:blipFill>
-        <p:spPr bwMode="auto">
-          <a:xfrm>
-            <a:off x="1236000" y="1483904"/>
-            <a:ext cx="9720000" cy="3890192"/>
-          </a:xfrm>
-          <a:prstGeom prst="rect">
-            <a:avLst/>
-          </a:prstGeom>
-          <a:noFill/>
-          <a:extLst>
-            <a:ext uri="{909E8E84-426E-40DD-AFC4-6F175D3DCCD1}">
-              <a14:hiddenFill xmlns:a14="http://schemas.microsoft.com/office/drawing/2010/main">
-                <a:solidFill>
-                  <a:srgbClr val="FFFFFF"/>
-                </a:solidFill>
-              </a14:hiddenFill>
-            </a:ext>
-          </a:extLst>
-        </p:spPr>
-      </p:pic>
     </p:spTree>
     <p:extLst>
       <p:ext uri="{BB962C8B-B14F-4D97-AF65-F5344CB8AC3E}">
-        <p14:creationId xmlns:p14="http://schemas.microsoft.com/office/powerpoint/2010/main" val="3577970137"/>
+        <p14:creationId xmlns:p14="http://schemas.microsoft.com/office/powerpoint/2010/main" val="1091901904"/>
       </p:ext>
     </p:extLst>
   </p:cSld>
@@ -3925,10 +3928,10 @@
       </p:grpSpPr>
       <p:pic>
         <p:nvPicPr>
-          <p:cNvPr id="12290" name="Picture 2">
-            <a:extLst>
-              <a:ext uri="{FF2B5EF4-FFF2-40B4-BE49-F238E27FC236}">
-                <a16:creationId xmlns:a16="http://schemas.microsoft.com/office/drawing/2014/main" id="{B359CF57-0141-4AC6-AC6B-5B7A3C71382D}"/>
+          <p:cNvPr id="14338" name="Picture 2">
+            <a:extLst>
+              <a:ext uri="{FF2B5EF4-FFF2-40B4-BE49-F238E27FC236}">
+                <a16:creationId xmlns:a16="http://schemas.microsoft.com/office/drawing/2014/main" id="{509E4341-E994-4B9B-8240-A39C8AC2A002}"/>
               </a:ext>
             </a:extLst>
           </p:cNvPr>
@@ -3952,8 +3955,8 @@
         </p:blipFill>
         <p:spPr bwMode="auto">
           <a:xfrm>
-            <a:off x="1193190" y="1470657"/>
-            <a:ext cx="9720000" cy="3916686"/>
+            <a:off x="1236000" y="1522591"/>
+            <a:ext cx="9720000" cy="3812818"/>
           </a:xfrm>
           <a:prstGeom prst="rect">
             <a:avLst/>
@@ -3975,7 +3978,7 @@
           <p:cNvPr id="3" name="pole tekstowe 2">
             <a:extLst>
               <a:ext uri="{FF2B5EF4-FFF2-40B4-BE49-F238E27FC236}">
-                <a16:creationId xmlns:a16="http://schemas.microsoft.com/office/drawing/2014/main" id="{10E9F371-AEEC-48AA-BB0D-8D312BB0570D}"/>
+                <a16:creationId xmlns:a16="http://schemas.microsoft.com/office/drawing/2014/main" id="{578C2B12-8DFC-4B2A-AB1D-5B8EC076AA89}"/>
               </a:ext>
             </a:extLst>
           </p:cNvPr>
@@ -4025,264 +4028,6 @@
     </p:spTree>
     <p:extLst>
       <p:ext uri="{BB962C8B-B14F-4D97-AF65-F5344CB8AC3E}">
-        <p14:creationId xmlns:p14="http://schemas.microsoft.com/office/powerpoint/2010/main" val="3060917325"/>
-      </p:ext>
-    </p:extLst>
-  </p:cSld>
-  <p:clrMapOvr>
-    <a:masterClrMapping/>
-  </p:clrMapOvr>
-</p:sld>
-</file>
-
-<file path=ppt/slides/slide13.xml><?xml version="1.0" encoding="utf-8"?>
-<p:sld xmlns:a="http://schemas.openxmlformats.org/drawingml/2006/main" xmlns:r="http://schemas.openxmlformats.org/officeDocument/2006/relationships" xmlns:p="http://schemas.openxmlformats.org/presentationml/2006/main">
-  <p:cSld>
-    <p:spTree>
-      <p:nvGrpSpPr>
-        <p:cNvPr id="1" name=""/>
-        <p:cNvGrpSpPr/>
-        <p:nvPr/>
-      </p:nvGrpSpPr>
-      <p:grpSpPr>
-        <a:xfrm>
-          <a:off x="0" y="0"/>
-          <a:ext cx="0" cy="0"/>
-          <a:chOff x="0" y="0"/>
-          <a:chExt cx="0" cy="0"/>
-        </a:xfrm>
-      </p:grpSpPr>
-      <p:pic>
-        <p:nvPicPr>
-          <p:cNvPr id="13314" name="Picture 2">
-            <a:extLst>
-              <a:ext uri="{FF2B5EF4-FFF2-40B4-BE49-F238E27FC236}">
-                <a16:creationId xmlns:a16="http://schemas.microsoft.com/office/drawing/2014/main" id="{177D5B0B-EEE1-4B64-96B1-F786FD37F817}"/>
-              </a:ext>
-            </a:extLst>
-          </p:cNvPr>
-          <p:cNvPicPr>
-            <a:picLocks noChangeAspect="1" noChangeArrowheads="1"/>
-          </p:cNvPicPr>
-          <p:nvPr/>
-        </p:nvPicPr>
-        <p:blipFill>
-          <a:blip r:embed="rId2">
-            <a:extLst>
-              <a:ext uri="{28A0092B-C50C-407E-A947-70E740481C1C}">
-                <a14:useLocalDpi xmlns:a14="http://schemas.microsoft.com/office/drawing/2010/main" val="0"/>
-              </a:ext>
-            </a:extLst>
-          </a:blip>
-          <a:srcRect/>
-          <a:stretch>
-            <a:fillRect/>
-          </a:stretch>
-        </p:blipFill>
-        <p:spPr bwMode="auto">
-          <a:xfrm>
-            <a:off x="1236000" y="1616704"/>
-            <a:ext cx="9720000" cy="3624591"/>
-          </a:xfrm>
-          <a:prstGeom prst="rect">
-            <a:avLst/>
-          </a:prstGeom>
-          <a:noFill/>
-          <a:extLst>
-            <a:ext uri="{909E8E84-426E-40DD-AFC4-6F175D3DCCD1}">
-              <a14:hiddenFill xmlns:a14="http://schemas.microsoft.com/office/drawing/2010/main">
-                <a:solidFill>
-                  <a:srgbClr val="FFFFFF"/>
-                </a:solidFill>
-              </a14:hiddenFill>
-            </a:ext>
-          </a:extLst>
-        </p:spPr>
-      </p:pic>
-      <p:sp>
-        <p:nvSpPr>
-          <p:cNvPr id="3" name="pole tekstowe 2">
-            <a:extLst>
-              <a:ext uri="{FF2B5EF4-FFF2-40B4-BE49-F238E27FC236}">
-                <a16:creationId xmlns:a16="http://schemas.microsoft.com/office/drawing/2014/main" id="{ABAE1174-895A-4A4A-ACA5-0BDC44CA053C}"/>
-              </a:ext>
-            </a:extLst>
-          </p:cNvPr>
-          <p:cNvSpPr txBox="1"/>
-          <p:nvPr/>
-        </p:nvSpPr>
-        <p:spPr>
-          <a:xfrm>
-            <a:off x="163523" y="127794"/>
-            <a:ext cx="11779335" cy="553998"/>
-          </a:xfrm>
-          <a:prstGeom prst="rect">
-            <a:avLst/>
-          </a:prstGeom>
-        </p:spPr>
-        <p:txBody>
-          <a:bodyPr vert="horz" lIns="91440" tIns="45720" rIns="91440" bIns="45720" rtlCol="0" anchor="b">
-            <a:normAutofit/>
-          </a:bodyPr>
-          <a:lstStyle>
-            <a:defPPr>
-              <a:defRPr lang="pl-PL"/>
-            </a:defPPr>
-            <a:lvl1pPr>
-              <a:lnSpc>
-                <a:spcPct val="90000"/>
-              </a:lnSpc>
-              <a:spcBef>
-                <a:spcPct val="0"/>
-              </a:spcBef>
-              <a:buNone/>
-              <a:defRPr sz="2800" b="1">
-                <a:latin typeface="+mj-lt"/>
-                <a:ea typeface="+mj-ea"/>
-                <a:cs typeface="+mj-cs"/>
-              </a:defRPr>
-            </a:lvl1pPr>
-          </a:lstStyle>
-          <a:p>
-            <a:r>
-              <a:rPr lang="pl-PL" dirty="0"/>
-              <a:t>Charakterystyka grup klientów w zależności od poziomu opłat</a:t>
-            </a:r>
-          </a:p>
-        </p:txBody>
-      </p:sp>
-    </p:spTree>
-    <p:extLst>
-      <p:ext uri="{BB962C8B-B14F-4D97-AF65-F5344CB8AC3E}">
-        <p14:creationId xmlns:p14="http://schemas.microsoft.com/office/powerpoint/2010/main" val="1091901904"/>
-      </p:ext>
-    </p:extLst>
-  </p:cSld>
-  <p:clrMapOvr>
-    <a:masterClrMapping/>
-  </p:clrMapOvr>
-</p:sld>
-</file>
-
-<file path=ppt/slides/slide14.xml><?xml version="1.0" encoding="utf-8"?>
-<p:sld xmlns:a="http://schemas.openxmlformats.org/drawingml/2006/main" xmlns:r="http://schemas.openxmlformats.org/officeDocument/2006/relationships" xmlns:p="http://schemas.openxmlformats.org/presentationml/2006/main">
-  <p:cSld>
-    <p:spTree>
-      <p:nvGrpSpPr>
-        <p:cNvPr id="1" name=""/>
-        <p:cNvGrpSpPr/>
-        <p:nvPr/>
-      </p:nvGrpSpPr>
-      <p:grpSpPr>
-        <a:xfrm>
-          <a:off x="0" y="0"/>
-          <a:ext cx="0" cy="0"/>
-          <a:chOff x="0" y="0"/>
-          <a:chExt cx="0" cy="0"/>
-        </a:xfrm>
-      </p:grpSpPr>
-      <p:pic>
-        <p:nvPicPr>
-          <p:cNvPr id="14338" name="Picture 2">
-            <a:extLst>
-              <a:ext uri="{FF2B5EF4-FFF2-40B4-BE49-F238E27FC236}">
-                <a16:creationId xmlns:a16="http://schemas.microsoft.com/office/drawing/2014/main" id="{509E4341-E994-4B9B-8240-A39C8AC2A002}"/>
-              </a:ext>
-            </a:extLst>
-          </p:cNvPr>
-          <p:cNvPicPr>
-            <a:picLocks noChangeAspect="1" noChangeArrowheads="1"/>
-          </p:cNvPicPr>
-          <p:nvPr/>
-        </p:nvPicPr>
-        <p:blipFill>
-          <a:blip r:embed="rId2">
-            <a:extLst>
-              <a:ext uri="{28A0092B-C50C-407E-A947-70E740481C1C}">
-                <a14:useLocalDpi xmlns:a14="http://schemas.microsoft.com/office/drawing/2010/main" val="0"/>
-              </a:ext>
-            </a:extLst>
-          </a:blip>
-          <a:srcRect/>
-          <a:stretch>
-            <a:fillRect/>
-          </a:stretch>
-        </p:blipFill>
-        <p:spPr bwMode="auto">
-          <a:xfrm>
-            <a:off x="1236000" y="1522591"/>
-            <a:ext cx="9720000" cy="3812818"/>
-          </a:xfrm>
-          <a:prstGeom prst="rect">
-            <a:avLst/>
-          </a:prstGeom>
-          <a:noFill/>
-          <a:extLst>
-            <a:ext uri="{909E8E84-426E-40DD-AFC4-6F175D3DCCD1}">
-              <a14:hiddenFill xmlns:a14="http://schemas.microsoft.com/office/drawing/2010/main">
-                <a:solidFill>
-                  <a:srgbClr val="FFFFFF"/>
-                </a:solidFill>
-              </a14:hiddenFill>
-            </a:ext>
-          </a:extLst>
-        </p:spPr>
-      </p:pic>
-      <p:sp>
-        <p:nvSpPr>
-          <p:cNvPr id="3" name="pole tekstowe 2">
-            <a:extLst>
-              <a:ext uri="{FF2B5EF4-FFF2-40B4-BE49-F238E27FC236}">
-                <a16:creationId xmlns:a16="http://schemas.microsoft.com/office/drawing/2014/main" id="{578C2B12-8DFC-4B2A-AB1D-5B8EC076AA89}"/>
-              </a:ext>
-            </a:extLst>
-          </p:cNvPr>
-          <p:cNvSpPr txBox="1"/>
-          <p:nvPr/>
-        </p:nvSpPr>
-        <p:spPr>
-          <a:xfrm>
-            <a:off x="163523" y="127794"/>
-            <a:ext cx="11779335" cy="553998"/>
-          </a:xfrm>
-          <a:prstGeom prst="rect">
-            <a:avLst/>
-          </a:prstGeom>
-        </p:spPr>
-        <p:txBody>
-          <a:bodyPr vert="horz" lIns="91440" tIns="45720" rIns="91440" bIns="45720" rtlCol="0" anchor="b">
-            <a:normAutofit/>
-          </a:bodyPr>
-          <a:lstStyle>
-            <a:defPPr>
-              <a:defRPr lang="pl-PL"/>
-            </a:defPPr>
-            <a:lvl1pPr>
-              <a:lnSpc>
-                <a:spcPct val="90000"/>
-              </a:lnSpc>
-              <a:spcBef>
-                <a:spcPct val="0"/>
-              </a:spcBef>
-              <a:buNone/>
-              <a:defRPr sz="2800" b="1">
-                <a:latin typeface="+mj-lt"/>
-                <a:ea typeface="+mj-ea"/>
-                <a:cs typeface="+mj-cs"/>
-              </a:defRPr>
-            </a:lvl1pPr>
-          </a:lstStyle>
-          <a:p>
-            <a:r>
-              <a:rPr lang="pl-PL" dirty="0"/>
-              <a:t>Charakterystyka grup klientów w zależności od poziomu opłat</a:t>
-            </a:r>
-          </a:p>
-        </p:txBody>
-      </p:sp>
-    </p:spTree>
-    <p:extLst>
-      <p:ext uri="{BB962C8B-B14F-4D97-AF65-F5344CB8AC3E}">
         <p14:creationId xmlns:p14="http://schemas.microsoft.com/office/powerpoint/2010/main" val="358616506"/>
       </p:ext>
     </p:extLst>
@@ -5129,6 +4874,51 @@
       </p:grpSpPr>
       <p:pic>
         <p:nvPicPr>
+          <p:cNvPr id="5" name="Picture 2">
+            <a:extLst>
+              <a:ext uri="{FF2B5EF4-FFF2-40B4-BE49-F238E27FC236}">
+                <a16:creationId xmlns:a16="http://schemas.microsoft.com/office/drawing/2014/main" id="{CB43A7D5-B4D6-4AA6-9AAA-CC5592D44BEF}"/>
+              </a:ext>
+            </a:extLst>
+          </p:cNvPr>
+          <p:cNvPicPr>
+            <a:picLocks noChangeAspect="1" noChangeArrowheads="1"/>
+          </p:cNvPicPr>
+          <p:nvPr/>
+        </p:nvPicPr>
+        <p:blipFill rotWithShape="1">
+          <a:blip r:embed="rId2">
+            <a:extLst>
+              <a:ext uri="{28A0092B-C50C-407E-A947-70E740481C1C}">
+                <a14:useLocalDpi xmlns:a14="http://schemas.microsoft.com/office/drawing/2010/main" val="0"/>
+              </a:ext>
+            </a:extLst>
+          </a:blip>
+          <a:srcRect l="90827" t="43777" b="44709"/>
+          <a:stretch/>
+        </p:blipFill>
+        <p:spPr bwMode="auto">
+          <a:xfrm>
+            <a:off x="11296152" y="3045413"/>
+            <a:ext cx="673664" cy="775411"/>
+          </a:xfrm>
+          <a:prstGeom prst="rect">
+            <a:avLst/>
+          </a:prstGeom>
+          <a:noFill/>
+          <a:extLst>
+            <a:ext uri="{909E8E84-426E-40DD-AFC4-6F175D3DCCD1}">
+              <a14:hiddenFill xmlns:a14="http://schemas.microsoft.com/office/drawing/2010/main">
+                <a:solidFill>
+                  <a:srgbClr val="FFFFFF"/>
+                </a:solidFill>
+              </a14:hiddenFill>
+            </a:ext>
+          </a:extLst>
+        </p:spPr>
+      </p:pic>
+      <p:pic>
+        <p:nvPicPr>
           <p:cNvPr id="4098" name="Picture 2">
             <a:extLst>
               <a:ext uri="{FF2B5EF4-FFF2-40B4-BE49-F238E27FC236}">
@@ -5142,7 +4932,7 @@
           <p:nvPr/>
         </p:nvPicPr>
         <p:blipFill>
-          <a:blip r:embed="rId2">
+          <a:blip r:embed="rId3">
             <a:extLst>
               <a:ext uri="{28A0092B-C50C-407E-A947-70E740481C1C}">
                 <a14:useLocalDpi xmlns:a14="http://schemas.microsoft.com/office/drawing/2010/main" val="0"/>
@@ -5156,8 +4946,8 @@
         </p:blipFill>
         <p:spPr bwMode="auto">
           <a:xfrm>
-            <a:off x="3097530" y="864415"/>
-            <a:ext cx="5704564" cy="5333048"/>
+            <a:off x="493319" y="1334459"/>
+            <a:ext cx="5319146" cy="4972731"/>
           </a:xfrm>
           <a:prstGeom prst="rect">
             <a:avLst/>
@@ -5224,6 +5014,51 @@
           </a:p>
         </p:txBody>
       </p:sp>
+      <p:pic>
+        <p:nvPicPr>
+          <p:cNvPr id="4" name="Picture 2">
+            <a:extLst>
+              <a:ext uri="{FF2B5EF4-FFF2-40B4-BE49-F238E27FC236}">
+                <a16:creationId xmlns:a16="http://schemas.microsoft.com/office/drawing/2014/main" id="{EE0D49B3-B1CE-44DF-BC55-2361C99B9E21}"/>
+              </a:ext>
+            </a:extLst>
+          </p:cNvPr>
+          <p:cNvPicPr>
+            <a:picLocks noChangeAspect="1" noChangeArrowheads="1"/>
+          </p:cNvPicPr>
+          <p:nvPr/>
+        </p:nvPicPr>
+        <p:blipFill rotWithShape="1">
+          <a:blip r:embed="rId2">
+            <a:extLst>
+              <a:ext uri="{28A0092B-C50C-407E-A947-70E740481C1C}">
+                <a14:useLocalDpi xmlns:a14="http://schemas.microsoft.com/office/drawing/2010/main" val="0"/>
+              </a:ext>
+            </a:extLst>
+          </a:blip>
+          <a:srcRect t="71209" r="50971"/>
+          <a:stretch/>
+        </p:blipFill>
+        <p:spPr bwMode="auto">
+          <a:xfrm>
+            <a:off x="6096000" y="2420722"/>
+            <a:ext cx="5200152" cy="2800204"/>
+          </a:xfrm>
+          <a:prstGeom prst="rect">
+            <a:avLst/>
+          </a:prstGeom>
+          <a:noFill/>
+          <a:extLst>
+            <a:ext uri="{909E8E84-426E-40DD-AFC4-6F175D3DCCD1}">
+              <a14:hiddenFill xmlns:a14="http://schemas.microsoft.com/office/drawing/2010/main">
+                <a:solidFill>
+                  <a:srgbClr val="FFFFFF"/>
+                </a:solidFill>
+              </a14:hiddenFill>
+            </a:ext>
+          </a:extLst>
+        </p:spPr>
+      </p:pic>
     </p:spTree>
     <p:extLst>
       <p:ext uri="{BB962C8B-B14F-4D97-AF65-F5344CB8AC3E}">
@@ -5238,133 +5073,6 @@
 </file>
 
 <file path=ppt/slides/slide5.xml><?xml version="1.0" encoding="utf-8"?>
-<p:sld xmlns:a="http://schemas.openxmlformats.org/drawingml/2006/main" xmlns:r="http://schemas.openxmlformats.org/officeDocument/2006/relationships" xmlns:p="http://schemas.openxmlformats.org/presentationml/2006/main">
-  <p:cSld>
-    <p:spTree>
-      <p:nvGrpSpPr>
-        <p:cNvPr id="1" name=""/>
-        <p:cNvGrpSpPr/>
-        <p:nvPr/>
-      </p:nvGrpSpPr>
-      <p:grpSpPr>
-        <a:xfrm>
-          <a:off x="0" y="0"/>
-          <a:ext cx="0" cy="0"/>
-          <a:chOff x="0" y="0"/>
-          <a:chExt cx="0" cy="0"/>
-        </a:xfrm>
-      </p:grpSpPr>
-      <p:pic>
-        <p:nvPicPr>
-          <p:cNvPr id="5122" name="Picture 2">
-            <a:extLst>
-              <a:ext uri="{FF2B5EF4-FFF2-40B4-BE49-F238E27FC236}">
-                <a16:creationId xmlns:a16="http://schemas.microsoft.com/office/drawing/2014/main" id="{F17B70F3-6971-40BC-978F-517981AB1194}"/>
-              </a:ext>
-            </a:extLst>
-          </p:cNvPr>
-          <p:cNvPicPr>
-            <a:picLocks noChangeAspect="1" noChangeArrowheads="1"/>
-          </p:cNvPicPr>
-          <p:nvPr/>
-        </p:nvPicPr>
-        <p:blipFill>
-          <a:blip r:embed="rId2">
-            <a:extLst>
-              <a:ext uri="{28A0092B-C50C-407E-A947-70E740481C1C}">
-                <a14:useLocalDpi xmlns:a14="http://schemas.microsoft.com/office/drawing/2010/main" val="0"/>
-              </a:ext>
-            </a:extLst>
-          </a:blip>
-          <a:srcRect/>
-          <a:stretch>
-            <a:fillRect/>
-          </a:stretch>
-        </p:blipFill>
-        <p:spPr bwMode="auto">
-          <a:xfrm>
-            <a:off x="2424113" y="61913"/>
-            <a:ext cx="7343775" cy="6734175"/>
-          </a:xfrm>
-          <a:prstGeom prst="rect">
-            <a:avLst/>
-          </a:prstGeom>
-          <a:noFill/>
-          <a:extLst>
-            <a:ext uri="{909E8E84-426E-40DD-AFC4-6F175D3DCCD1}">
-              <a14:hiddenFill xmlns:a14="http://schemas.microsoft.com/office/drawing/2010/main">
-                <a:solidFill>
-                  <a:srgbClr val="FFFFFF"/>
-                </a:solidFill>
-              </a14:hiddenFill>
-            </a:ext>
-          </a:extLst>
-        </p:spPr>
-      </p:pic>
-      <p:sp>
-        <p:nvSpPr>
-          <p:cNvPr id="3" name="pole tekstowe 2">
-            <a:extLst>
-              <a:ext uri="{FF2B5EF4-FFF2-40B4-BE49-F238E27FC236}">
-                <a16:creationId xmlns:a16="http://schemas.microsoft.com/office/drawing/2014/main" id="{FE68A426-43C0-41F1-BC0B-78FCEC260150}"/>
-              </a:ext>
-            </a:extLst>
-          </p:cNvPr>
-          <p:cNvSpPr txBox="1"/>
-          <p:nvPr/>
-        </p:nvSpPr>
-        <p:spPr>
-          <a:xfrm>
-            <a:off x="163524" y="127794"/>
-            <a:ext cx="2190062" cy="882022"/>
-          </a:xfrm>
-          <a:prstGeom prst="rect">
-            <a:avLst/>
-          </a:prstGeom>
-        </p:spPr>
-        <p:txBody>
-          <a:bodyPr vert="horz" lIns="91440" tIns="45720" rIns="91440" bIns="45720" rtlCol="0" anchor="b">
-            <a:normAutofit/>
-          </a:bodyPr>
-          <a:lstStyle>
-            <a:lvl1pPr algn="ctr">
-              <a:lnSpc>
-                <a:spcPct val="90000"/>
-              </a:lnSpc>
-              <a:spcBef>
-                <a:spcPct val="0"/>
-              </a:spcBef>
-              <a:buNone/>
-              <a:defRPr sz="4800" b="1">
-                <a:latin typeface="+mj-lt"/>
-                <a:ea typeface="+mj-ea"/>
-                <a:cs typeface="+mj-cs"/>
-              </a:defRPr>
-            </a:lvl1pPr>
-          </a:lstStyle>
-          <a:p>
-            <a:pPr algn="l"/>
-            <a:r>
-              <a:rPr lang="pl-PL" sz="2800" dirty="0"/>
-              <a:t>Analiza zbioru danych</a:t>
-            </a:r>
-          </a:p>
-        </p:txBody>
-      </p:sp>
-    </p:spTree>
-    <p:extLst>
-      <p:ext uri="{BB962C8B-B14F-4D97-AF65-F5344CB8AC3E}">
-        <p14:creationId xmlns:p14="http://schemas.microsoft.com/office/powerpoint/2010/main" val="1797752483"/>
-      </p:ext>
-    </p:extLst>
-  </p:cSld>
-  <p:clrMapOvr>
-    <a:masterClrMapping/>
-  </p:clrMapOvr>
-</p:sld>
-</file>
-
-<file path=ppt/slides/slide6.xml><?xml version="1.0" encoding="utf-8"?>
 <p:sld xmlns:a="http://schemas.openxmlformats.org/drawingml/2006/main" xmlns:r="http://schemas.openxmlformats.org/officeDocument/2006/relationships" xmlns:p="http://schemas.openxmlformats.org/presentationml/2006/main">
   <p:cSld>
     <p:spTree>
@@ -5448,13 +5156,13 @@
           <p:nvPr>
             <p:extLst>
               <p:ext uri="{D42A27DB-BD31-4B8C-83A1-F6EECF244321}">
-                <p14:modId xmlns:p14="http://schemas.microsoft.com/office/powerpoint/2010/main" val="2811514535"/>
+                <p14:modId xmlns:p14="http://schemas.microsoft.com/office/powerpoint/2010/main" val="37604964"/>
               </p:ext>
             </p:extLst>
           </p:nvPr>
         </p:nvGraphicFramePr>
         <p:xfrm>
-          <a:off x="1256306" y="1623853"/>
+          <a:off x="1285227" y="1226295"/>
           <a:ext cx="4055165" cy="1524000"/>
         </p:xfrm>
         <a:graphic>
@@ -6011,7 +5719,7 @@
         </p:nvSpPr>
         <p:spPr>
           <a:xfrm>
-            <a:off x="1256306" y="968156"/>
+            <a:off x="1454781" y="754523"/>
             <a:ext cx="1800045" cy="369332"/>
           </a:xfrm>
           <a:prstGeom prst="rect">
@@ -6057,7 +5765,7 @@
         </p:nvSpPr>
         <p:spPr bwMode="auto">
           <a:xfrm>
-            <a:off x="1256306" y="3394345"/>
+            <a:off x="1390800" y="2777396"/>
             <a:ext cx="2282024" cy="553998"/>
           </a:xfrm>
           <a:prstGeom prst="rect">
@@ -6393,53 +6101,6 @@
           </a:p>
         </p:txBody>
       </p:sp>
-      <p:pic>
-        <p:nvPicPr>
-          <p:cNvPr id="6149" name="Picture 5">
-            <a:extLst>
-              <a:ext uri="{FF2B5EF4-FFF2-40B4-BE49-F238E27FC236}">
-                <a16:creationId xmlns:a16="http://schemas.microsoft.com/office/drawing/2014/main" id="{7F734A59-543F-4552-9CE2-B728C207CF05}"/>
-              </a:ext>
-            </a:extLst>
-          </p:cNvPr>
-          <p:cNvPicPr>
-            <a:picLocks noChangeAspect="1" noChangeArrowheads="1"/>
-          </p:cNvPicPr>
-          <p:nvPr/>
-        </p:nvPicPr>
-        <p:blipFill>
-          <a:blip r:embed="rId3">
-            <a:extLst>
-              <a:ext uri="{28A0092B-C50C-407E-A947-70E740481C1C}">
-                <a14:useLocalDpi xmlns:a14="http://schemas.microsoft.com/office/drawing/2010/main" val="0"/>
-              </a:ext>
-            </a:extLst>
-          </a:blip>
-          <a:srcRect/>
-          <a:stretch>
-            <a:fillRect/>
-          </a:stretch>
-        </p:blipFill>
-        <p:spPr bwMode="auto">
-          <a:xfrm>
-            <a:off x="1256306" y="4206082"/>
-            <a:ext cx="3705225" cy="2524125"/>
-          </a:xfrm>
-          <a:prstGeom prst="rect">
-            <a:avLst/>
-          </a:prstGeom>
-          <a:noFill/>
-          <a:extLst>
-            <a:ext uri="{909E8E84-426E-40DD-AFC4-6F175D3DCCD1}">
-              <a14:hiddenFill xmlns:a14="http://schemas.microsoft.com/office/drawing/2010/main">
-                <a:solidFill>
-                  <a:srgbClr val="FFFFFF"/>
-                </a:solidFill>
-              </a14:hiddenFill>
-            </a:ext>
-          </a:extLst>
-        </p:spPr>
-      </p:pic>
       <p:sp>
         <p:nvSpPr>
           <p:cNvPr id="14" name="pole tekstowe 13">
@@ -6454,7 +6115,7 @@
         </p:nvSpPr>
         <p:spPr>
           <a:xfrm>
-            <a:off x="7007961" y="834874"/>
+            <a:off x="7007961" y="662190"/>
             <a:ext cx="2257221" cy="553998"/>
           </a:xfrm>
           <a:prstGeom prst="rect">
@@ -6509,13 +6170,13 @@
           <p:nvPr>
             <p:extLst>
               <p:ext uri="{D42A27DB-BD31-4B8C-83A1-F6EECF244321}">
-                <p14:modId xmlns:p14="http://schemas.microsoft.com/office/powerpoint/2010/main" val="853123259"/>
+                <p14:modId xmlns:p14="http://schemas.microsoft.com/office/powerpoint/2010/main" val="2969266016"/>
               </p:ext>
             </p:extLst>
           </p:nvPr>
         </p:nvGraphicFramePr>
         <p:xfrm>
-          <a:off x="7007961" y="1623853"/>
+          <a:off x="6794903" y="1226295"/>
           <a:ext cx="4055165" cy="1524000"/>
         </p:xfrm>
         <a:graphic>
@@ -7122,7 +6783,7 @@
         </p:nvSpPr>
         <p:spPr bwMode="auto">
           <a:xfrm>
-            <a:off x="7007961" y="3433149"/>
+            <a:off x="6794903" y="2818154"/>
             <a:ext cx="2282024" cy="553998"/>
           </a:xfrm>
           <a:prstGeom prst="rect">
@@ -7460,20 +7121,20 @@
       </p:sp>
       <p:pic>
         <p:nvPicPr>
-          <p:cNvPr id="6155" name="Picture 11">
-            <a:extLst>
-              <a:ext uri="{FF2B5EF4-FFF2-40B4-BE49-F238E27FC236}">
-                <a16:creationId xmlns:a16="http://schemas.microsoft.com/office/drawing/2014/main" id="{2CADED26-3A85-4418-A6F7-FE80990388AD}"/>
-              </a:ext>
-            </a:extLst>
-          </p:cNvPr>
-          <p:cNvPicPr>
-            <a:picLocks noChangeAspect="1" noChangeArrowheads="1"/>
+          <p:cNvPr id="6145" name="DefaultOcx">
+            <a:extLst>
+              <a:ext uri="{FF2B5EF4-FFF2-40B4-BE49-F238E27FC236}">
+                <a16:creationId xmlns:a16="http://schemas.microsoft.com/office/drawing/2014/main" id="{BCAA8625-0A05-475D-821C-ED80B8E71FE7}"/>
+              </a:ext>
+            </a:extLst>
+          </p:cNvPr>
+          <p:cNvPicPr preferRelativeResize="0">
+            <a:picLocks noChangeArrowheads="1" noChangeShapeType="1"/>
           </p:cNvPicPr>
           <p:nvPr/>
         </p:nvPicPr>
         <p:blipFill>
-          <a:blip r:embed="rId4">
+          <a:blip r:embed="rId2">
             <a:extLst>
               <a:ext uri="{28A0092B-C50C-407E-A947-70E740481C1C}">
                 <a14:useLocalDpi xmlns:a14="http://schemas.microsoft.com/office/drawing/2010/main" val="0"/>
@@ -7487,112 +7148,93 @@
         </p:blipFill>
         <p:spPr bwMode="auto">
           <a:xfrm>
-            <a:off x="7007961" y="4206081"/>
-            <a:ext cx="3705225" cy="2524125"/>
+            <a:off x="0" y="0"/>
+            <a:ext cx="1371600" cy="266700"/>
           </a:xfrm>
           <a:prstGeom prst="rect">
             <a:avLst/>
           </a:prstGeom>
           <a:noFill/>
+          <a:ln w="9525">
+            <a:miter lim="800000"/>
+            <a:headEnd/>
+            <a:tailEnd/>
+          </a:ln>
+          <a:effectLst/>
           <a:extLst>
-            <a:ext uri="{909E8E84-426E-40DD-AFC4-6F175D3DCCD1}">
-              <a14:hiddenFill xmlns:a14="http://schemas.microsoft.com/office/drawing/2010/main">
-                <a:solidFill>
-                  <a:srgbClr val="FFFFFF"/>
-                </a:solidFill>
-              </a14:hiddenFill>
+            <a:ext uri="{AF507438-7753-43E0-B8FC-AC1667EBCBE1}">
+              <a14:hiddenEffects xmlns:a14="http://schemas.microsoft.com/office/drawing/2010/main">
+                <a:effectLst>
+                  <a:outerShdw dist="35921" dir="2700000" algn="ctr" rotWithShape="0">
+                    <a:schemeClr val="bg2"/>
+                  </a:outerShdw>
+                </a:effectLst>
+              </a14:hiddenEffects>
             </a:ext>
           </a:extLst>
         </p:spPr>
       </p:pic>
-    </p:spTree>
-    <p:extLst>
-      <p:ext uri="{BB962C8B-B14F-4D97-AF65-F5344CB8AC3E}">
-        <p14:creationId xmlns:p14="http://schemas.microsoft.com/office/powerpoint/2010/main" val="2588094571"/>
-      </p:ext>
-    </p:extLst>
-  </p:cSld>
-  <p:clrMapOvr>
-    <a:masterClrMapping/>
-  </p:clrMapOvr>
-</p:sld>
-</file>
-
-<file path=ppt/slides/slide7.xml><?xml version="1.0" encoding="utf-8"?>
-<p:sld xmlns:a="http://schemas.openxmlformats.org/drawingml/2006/main" xmlns:r="http://schemas.openxmlformats.org/officeDocument/2006/relationships" xmlns:p="http://schemas.openxmlformats.org/presentationml/2006/main">
-  <p:cSld>
-    <p:spTree>
-      <p:nvGrpSpPr>
-        <p:cNvPr id="1" name=""/>
-        <p:cNvGrpSpPr/>
-        <p:nvPr/>
-      </p:nvGrpSpPr>
-      <p:grpSpPr>
-        <a:xfrm>
-          <a:off x="0" y="0"/>
-          <a:ext cx="0" cy="0"/>
-          <a:chOff x="0" y="0"/>
-          <a:chExt cx="0" cy="0"/>
-        </a:xfrm>
-      </p:grpSpPr>
-      <p:sp>
-        <p:nvSpPr>
-          <p:cNvPr id="2" name="pole tekstowe 1">
-            <a:extLst>
-              <a:ext uri="{FF2B5EF4-FFF2-40B4-BE49-F238E27FC236}">
-                <a16:creationId xmlns:a16="http://schemas.microsoft.com/office/drawing/2014/main" id="{ACD9F749-3095-4268-888E-A74650C203CE}"/>
-              </a:ext>
-            </a:extLst>
-          </p:cNvPr>
-          <p:cNvSpPr txBox="1"/>
+      <p:pic>
+        <p:nvPicPr>
+          <p:cNvPr id="6150" name="HTMLCheckbox1">
+            <a:extLst>
+              <a:ext uri="{FF2B5EF4-FFF2-40B4-BE49-F238E27FC236}">
+                <a16:creationId xmlns:a16="http://schemas.microsoft.com/office/drawing/2014/main" id="{FB570EA0-9738-48AE-B2EE-6A334AF56025}"/>
+              </a:ext>
+            </a:extLst>
+          </p:cNvPr>
+          <p:cNvPicPr preferRelativeResize="0">
+            <a:picLocks noChangeArrowheads="1" noChangeShapeType="1"/>
+          </p:cNvPicPr>
           <p:nvPr/>
-        </p:nvSpPr>
-        <p:spPr>
+        </p:nvPicPr>
+        <p:blipFill>
+          <a:blip r:embed="rId3">
+            <a:extLst>
+              <a:ext uri="{28A0092B-C50C-407E-A947-70E740481C1C}">
+                <a14:useLocalDpi xmlns:a14="http://schemas.microsoft.com/office/drawing/2010/main" val="0"/>
+              </a:ext>
+            </a:extLst>
+          </a:blip>
+          <a:srcRect/>
+          <a:stretch>
+            <a:fillRect/>
+          </a:stretch>
+        </p:blipFill>
+        <p:spPr bwMode="auto">
           <a:xfrm>
-            <a:off x="163524" y="127794"/>
-            <a:ext cx="5028678" cy="553998"/>
+            <a:off x="0" y="0"/>
+            <a:ext cx="1371600" cy="266700"/>
           </a:xfrm>
           <a:prstGeom prst="rect">
             <a:avLst/>
           </a:prstGeom>
+          <a:noFill/>
+          <a:ln w="9525">
+            <a:miter lim="800000"/>
+            <a:headEnd/>
+            <a:tailEnd/>
+          </a:ln>
+          <a:effectLst/>
+          <a:extLst>
+            <a:ext uri="{AF507438-7753-43E0-B8FC-AC1667EBCBE1}">
+              <a14:hiddenEffects xmlns:a14="http://schemas.microsoft.com/office/drawing/2010/main">
+                <a:effectLst>
+                  <a:outerShdw dist="35921" dir="2700000" algn="ctr" rotWithShape="0">
+                    <a:schemeClr val="bg2"/>
+                  </a:outerShdw>
+                </a:effectLst>
+              </a14:hiddenEffects>
+            </a:ext>
+          </a:extLst>
         </p:spPr>
-        <p:txBody>
-          <a:bodyPr vert="horz" lIns="91440" tIns="45720" rIns="91440" bIns="45720" rtlCol="0" anchor="b">
-            <a:normAutofit/>
-          </a:bodyPr>
-          <a:lstStyle>
-            <a:defPPr>
-              <a:defRPr lang="pl-PL"/>
-            </a:defPPr>
-            <a:lvl1pPr>
-              <a:lnSpc>
-                <a:spcPct val="90000"/>
-              </a:lnSpc>
-              <a:spcBef>
-                <a:spcPct val="0"/>
-              </a:spcBef>
-              <a:buNone/>
-              <a:defRPr sz="2800" b="1">
-                <a:latin typeface="+mj-lt"/>
-                <a:ea typeface="+mj-ea"/>
-                <a:cs typeface="+mj-cs"/>
-              </a:defRPr>
-            </a:lvl1pPr>
-          </a:lstStyle>
-          <a:p>
-            <a:r>
-              <a:rPr lang="pl-PL" dirty="0"/>
-              <a:t>Analiza modeli prognostycznych</a:t>
-            </a:r>
-          </a:p>
-        </p:txBody>
-      </p:sp>
+      </p:pic>
       <p:graphicFrame>
         <p:nvGraphicFramePr>
-          <p:cNvPr id="6" name="Tabela 5">
-            <a:extLst>
-              <a:ext uri="{FF2B5EF4-FFF2-40B4-BE49-F238E27FC236}">
-                <a16:creationId xmlns:a16="http://schemas.microsoft.com/office/drawing/2014/main" id="{64CB641E-C901-43D3-BAFB-461637B8C3AA}"/>
+          <p:cNvPr id="13" name="Tabela 12">
+            <a:extLst>
+              <a:ext uri="{FF2B5EF4-FFF2-40B4-BE49-F238E27FC236}">
+                <a16:creationId xmlns:a16="http://schemas.microsoft.com/office/drawing/2014/main" id="{E84ECB42-8609-47FA-97FD-8C6851FBBD50}"/>
               </a:ext>
             </a:extLst>
           </p:cNvPr>
@@ -7602,13 +7244,13 @@
           <p:nvPr>
             <p:extLst>
               <p:ext uri="{D42A27DB-BD31-4B8C-83A1-F6EECF244321}">
-                <p14:modId xmlns:p14="http://schemas.microsoft.com/office/powerpoint/2010/main" val="1194364075"/>
+                <p14:modId xmlns:p14="http://schemas.microsoft.com/office/powerpoint/2010/main" val="128197778"/>
               </p:ext>
             </p:extLst>
           </p:nvPr>
         </p:nvGraphicFramePr>
         <p:xfrm>
-          <a:off x="1256306" y="1623853"/>
+          <a:off x="1137037" y="4484672"/>
           <a:ext cx="4055165" cy="1524000"/>
         </p:xfrm>
         <a:graphic>
@@ -8201,10 +7843,10 @@
       </p:graphicFrame>
       <p:sp>
         <p:nvSpPr>
-          <p:cNvPr id="8" name="Rectangle 3">
-            <a:extLst>
-              <a:ext uri="{FF2B5EF4-FFF2-40B4-BE49-F238E27FC236}">
-                <a16:creationId xmlns:a16="http://schemas.microsoft.com/office/drawing/2014/main" id="{D3FFB77A-37BE-4B0C-B614-8E53E73D6850}"/>
+          <p:cNvPr id="17" name="Rectangle 3">
+            <a:extLst>
+              <a:ext uri="{FF2B5EF4-FFF2-40B4-BE49-F238E27FC236}">
+                <a16:creationId xmlns:a16="http://schemas.microsoft.com/office/drawing/2014/main" id="{A41271E5-9975-4F4E-B8FB-9F4325ED9247}"/>
               </a:ext>
             </a:extLst>
           </p:cNvPr>
@@ -8215,7 +7857,7 @@
         </p:nvSpPr>
         <p:spPr bwMode="auto">
           <a:xfrm>
-            <a:off x="1256306" y="3394345"/>
+            <a:off x="1348793" y="6145566"/>
             <a:ext cx="2282024" cy="553998"/>
           </a:xfrm>
           <a:prstGeom prst="rect">
@@ -8551,12 +8193,88 @@
           </a:p>
         </p:txBody>
       </p:sp>
+      <p:sp>
+        <p:nvSpPr>
+          <p:cNvPr id="18" name="pole tekstowe 17">
+            <a:extLst>
+              <a:ext uri="{FF2B5EF4-FFF2-40B4-BE49-F238E27FC236}">
+                <a16:creationId xmlns:a16="http://schemas.microsoft.com/office/drawing/2014/main" id="{7DAE82C8-B22F-489B-9783-16B272730C20}"/>
+              </a:ext>
+            </a:extLst>
+          </p:cNvPr>
+          <p:cNvSpPr txBox="1"/>
+          <p:nvPr/>
+        </p:nvSpPr>
+        <p:spPr>
+          <a:xfrm>
+            <a:off x="1285227" y="3585389"/>
+            <a:ext cx="3027111" cy="1077218"/>
+          </a:xfrm>
+          <a:prstGeom prst="rect">
+            <a:avLst/>
+          </a:prstGeom>
+          <a:noFill/>
+        </p:spPr>
+        <p:txBody>
+          <a:bodyPr wrap="none" rtlCol="0">
+            <a:spAutoFit/>
+          </a:bodyPr>
+          <a:lstStyle/>
+          <a:p>
+            <a:r>
+              <a:rPr lang="pl-PL" sz="1600" b="1" dirty="0"/>
+              <a:t>PIPELINE:</a:t>
+            </a:r>
+          </a:p>
+          <a:p>
+            <a:r>
+              <a:rPr lang="pl-PL" sz="1400" b="1" dirty="0"/>
+              <a:t>Standard </a:t>
+            </a:r>
+            <a:r>
+              <a:rPr lang="pl-PL" sz="1400" b="1" dirty="0" err="1"/>
+              <a:t>Scaler</a:t>
+            </a:r>
+            <a:r>
+              <a:rPr lang="pl-PL" sz="1400" b="1" dirty="0"/>
+              <a:t> + </a:t>
+            </a:r>
+            <a:r>
+              <a:rPr lang="pl-PL" sz="1400" b="1" dirty="0" err="1"/>
+              <a:t>Polynomial</a:t>
+            </a:r>
+            <a:r>
+              <a:rPr lang="pl-PL" sz="1400" b="1" dirty="0"/>
+              <a:t> </a:t>
+            </a:r>
+            <a:r>
+              <a:rPr lang="pl-PL" sz="1400" b="1" dirty="0" err="1"/>
+              <a:t>Features</a:t>
+            </a:r>
+            <a:endParaRPr lang="pl-PL" sz="1400" b="1" dirty="0"/>
+          </a:p>
+          <a:p>
+            <a:r>
+              <a:rPr lang="pl-PL" sz="1400" b="1" dirty="0"/>
+              <a:t>+ </a:t>
+            </a:r>
+            <a:r>
+              <a:rPr lang="pl-PL" sz="1400" b="1" dirty="0" err="1"/>
+              <a:t>XGBRegressor</a:t>
+            </a:r>
+            <a:endParaRPr lang="pl-PL" sz="1400" b="1" dirty="0"/>
+          </a:p>
+          <a:p>
+            <a:endParaRPr lang="pl-PL" b="1" dirty="0"/>
+          </a:p>
+        </p:txBody>
+      </p:sp>
       <p:graphicFrame>
         <p:nvGraphicFramePr>
-          <p:cNvPr id="15" name="Tabela 14">
-            <a:extLst>
-              <a:ext uri="{FF2B5EF4-FFF2-40B4-BE49-F238E27FC236}">
-                <a16:creationId xmlns:a16="http://schemas.microsoft.com/office/drawing/2014/main" id="{0BDD602E-1E53-4207-B2A1-97C03FBDDA49}"/>
+          <p:cNvPr id="19" name="Tabela 18">
+            <a:extLst>
+              <a:ext uri="{FF2B5EF4-FFF2-40B4-BE49-F238E27FC236}">
+                <a16:creationId xmlns:a16="http://schemas.microsoft.com/office/drawing/2014/main" id="{502C2900-B0BF-49A7-AA11-70B215BA21FE}"/>
               </a:ext>
             </a:extLst>
           </p:cNvPr>
@@ -8566,13 +8284,13 @@
           <p:nvPr>
             <p:extLst>
               <p:ext uri="{D42A27DB-BD31-4B8C-83A1-F6EECF244321}">
-                <p14:modId xmlns:p14="http://schemas.microsoft.com/office/powerpoint/2010/main" val="4204680291"/>
+                <p14:modId xmlns:p14="http://schemas.microsoft.com/office/powerpoint/2010/main" val="1322014140"/>
               </p:ext>
             </p:extLst>
           </p:nvPr>
         </p:nvGraphicFramePr>
         <p:xfrm>
-          <a:off x="7007961" y="1623853"/>
+          <a:off x="6533601" y="4657715"/>
           <a:ext cx="4055165" cy="1524000"/>
         </p:xfrm>
         <a:graphic>
@@ -9165,10 +8883,10 @@
       </p:graphicFrame>
       <p:sp>
         <p:nvSpPr>
-          <p:cNvPr id="16" name="Rectangle 3">
-            <a:extLst>
-              <a:ext uri="{FF2B5EF4-FFF2-40B4-BE49-F238E27FC236}">
-                <a16:creationId xmlns:a16="http://schemas.microsoft.com/office/drawing/2014/main" id="{ED694B2E-079C-45D7-AAF8-DC28F447E076}"/>
+          <p:cNvPr id="20" name="Rectangle 3">
+            <a:extLst>
+              <a:ext uri="{FF2B5EF4-FFF2-40B4-BE49-F238E27FC236}">
+                <a16:creationId xmlns:a16="http://schemas.microsoft.com/office/drawing/2014/main" id="{26981191-B207-441C-AD3F-2BBFB0DFD624}"/>
               </a:ext>
             </a:extLst>
           </p:cNvPr>
@@ -9179,7 +8897,7 @@
         </p:nvSpPr>
         <p:spPr bwMode="auto">
           <a:xfrm>
-            <a:off x="7007961" y="3433149"/>
+            <a:off x="6731645" y="6223012"/>
             <a:ext cx="2282024" cy="553998"/>
           </a:xfrm>
           <a:prstGeom prst="rect">
@@ -9517,10 +9235,10 @@
       </p:sp>
       <p:sp>
         <p:nvSpPr>
-          <p:cNvPr id="11" name="pole tekstowe 10">
-            <a:extLst>
-              <a:ext uri="{FF2B5EF4-FFF2-40B4-BE49-F238E27FC236}">
-                <a16:creationId xmlns:a16="http://schemas.microsoft.com/office/drawing/2014/main" id="{06E5E334-60DD-4292-BEB4-1037A33B4BD3}"/>
+          <p:cNvPr id="21" name="pole tekstowe 20">
+            <a:extLst>
+              <a:ext uri="{FF2B5EF4-FFF2-40B4-BE49-F238E27FC236}">
+                <a16:creationId xmlns:a16="http://schemas.microsoft.com/office/drawing/2014/main" id="{2E283857-A070-4A46-AAF5-6FDBB2A2A16A}"/>
               </a:ext>
             </a:extLst>
           </p:cNvPr>
@@ -9529,8 +9247,8 @@
         </p:nvSpPr>
         <p:spPr>
           <a:xfrm>
-            <a:off x="1293522" y="765949"/>
-            <a:ext cx="3027111" cy="1077218"/>
+            <a:off x="6731645" y="3585389"/>
+            <a:ext cx="3659079" cy="1261884"/>
           </a:xfrm>
           <a:prstGeom prst="rect">
             <a:avLst/>
@@ -9538,290 +9256,117 @@
           <a:noFill/>
         </p:spPr>
         <p:txBody>
-          <a:bodyPr wrap="none" rtlCol="0">
+          <a:bodyPr wrap="square" rtlCol="0">
             <a:spAutoFit/>
           </a:bodyPr>
           <a:lstStyle/>
           <a:p>
             <a:r>
               <a:rPr lang="pl-PL" sz="1600" b="1" dirty="0"/>
-              <a:t>PIPELINE:</a:t>
-            </a:r>
-          </a:p>
-          <a:p>
-            <a:r>
-              <a:rPr lang="pl-PL" sz="1400" b="1" dirty="0"/>
+              <a:t>STACKING REGRESSOR:</a:t>
+            </a:r>
+          </a:p>
+          <a:p>
+            <a:r>
+              <a:rPr lang="pl-PL" sz="1200" b="1" dirty="0"/>
               <a:t>Standard </a:t>
             </a:r>
             <a:r>
-              <a:rPr lang="pl-PL" sz="1400" b="1" dirty="0" err="1"/>
+              <a:rPr lang="pl-PL" sz="1200" b="1" dirty="0" err="1"/>
               <a:t>Scaler</a:t>
             </a:r>
             <a:r>
-              <a:rPr lang="pl-PL" sz="1400" b="1" dirty="0"/>
+              <a:rPr lang="pl-PL" sz="1200" b="1" dirty="0"/>
               <a:t> + </a:t>
             </a:r>
             <a:r>
-              <a:rPr lang="pl-PL" sz="1400" b="1" dirty="0" err="1"/>
+              <a:rPr lang="pl-PL" sz="1200" b="1" dirty="0" err="1"/>
+              <a:t>ElasticNet</a:t>
+            </a:r>
+            <a:endParaRPr lang="pl-PL" sz="1200" b="1" dirty="0"/>
+          </a:p>
+          <a:p>
+            <a:r>
+              <a:rPr lang="pl-PL" sz="1200" b="1" dirty="0" err="1"/>
+              <a:t>Ridge</a:t>
+            </a:r>
+            <a:r>
+              <a:rPr lang="pl-PL" sz="1200" b="1" dirty="0"/>
+              <a:t> </a:t>
+            </a:r>
+            <a:r>
+              <a:rPr lang="pl-PL" sz="1200" b="1" dirty="0" err="1"/>
+              <a:t>Regression</a:t>
+            </a:r>
+            <a:endParaRPr lang="pl-PL" sz="1200" b="1" dirty="0"/>
+          </a:p>
+          <a:p>
+            <a:r>
+              <a:rPr lang="pl-PL" sz="1200" b="1" dirty="0"/>
+              <a:t>Standard </a:t>
+            </a:r>
+            <a:r>
+              <a:rPr lang="pl-PL" sz="1200" b="1" dirty="0" err="1"/>
+              <a:t>Scaler</a:t>
+            </a:r>
+            <a:r>
+              <a:rPr lang="pl-PL" sz="1200" b="1" dirty="0"/>
+              <a:t> + </a:t>
+            </a:r>
+            <a:r>
+              <a:rPr lang="pl-PL" sz="1200" b="1" dirty="0" err="1"/>
               <a:t>Polynomial</a:t>
             </a:r>
             <a:r>
-              <a:rPr lang="pl-PL" sz="1400" b="1" dirty="0"/>
+              <a:rPr lang="pl-PL" sz="1200" b="1" dirty="0"/>
               <a:t> </a:t>
             </a:r>
             <a:r>
-              <a:rPr lang="pl-PL" sz="1400" b="1" dirty="0" err="1"/>
+              <a:rPr lang="pl-PL" sz="1200" b="1" dirty="0" err="1"/>
               <a:t>Features</a:t>
             </a:r>
-            <a:endParaRPr lang="pl-PL" sz="1400" b="1" dirty="0"/>
-          </a:p>
-          <a:p>
-            <a:r>
-              <a:rPr lang="pl-PL" sz="1400" b="1" dirty="0"/>
-              <a:t>+ </a:t>
-            </a:r>
-            <a:r>
-              <a:rPr lang="pl-PL" sz="1400" b="1" dirty="0" err="1"/>
+            <a:r>
+              <a:rPr lang="pl-PL" sz="1200" b="1" dirty="0"/>
+              <a:t> + </a:t>
+            </a:r>
+            <a:r>
+              <a:rPr lang="pl-PL" sz="1200" b="1" dirty="0" err="1"/>
               <a:t>XGBRegressor</a:t>
             </a:r>
-            <a:endParaRPr lang="pl-PL" sz="1400" b="1" dirty="0"/>
-          </a:p>
-          <a:p>
-            <a:endParaRPr lang="pl-PL" b="1" dirty="0"/>
+            <a:endParaRPr lang="pl-PL" sz="1200" b="1" dirty="0"/>
+          </a:p>
+          <a:p>
+            <a:r>
+              <a:rPr lang="pl-PL" sz="1200" b="1" dirty="0" err="1"/>
+              <a:t>Final</a:t>
+            </a:r>
+            <a:r>
+              <a:rPr lang="pl-PL" sz="1200" b="1" dirty="0"/>
+              <a:t> </a:t>
+            </a:r>
+            <a:r>
+              <a:rPr lang="pl-PL" sz="1200" b="1" dirty="0" err="1"/>
+              <a:t>Estimator</a:t>
+            </a:r>
+            <a:r>
+              <a:rPr lang="pl-PL" sz="1200" b="1" dirty="0"/>
+              <a:t>: </a:t>
+            </a:r>
+            <a:r>
+              <a:rPr lang="pl-PL" sz="1200" b="1" dirty="0" err="1"/>
+              <a:t>RidgeCV</a:t>
+            </a:r>
+            <a:endParaRPr lang="pl-PL" sz="1200" b="1" dirty="0"/>
+          </a:p>
+          <a:p>
+            <a:endParaRPr lang="pl-PL" sz="1200" b="1" dirty="0"/>
           </a:p>
         </p:txBody>
       </p:sp>
-      <p:sp>
-        <p:nvSpPr>
-          <p:cNvPr id="12" name="pole tekstowe 11">
-            <a:extLst>
-              <a:ext uri="{FF2B5EF4-FFF2-40B4-BE49-F238E27FC236}">
-                <a16:creationId xmlns:a16="http://schemas.microsoft.com/office/drawing/2014/main" id="{84511BE5-18A2-48E1-BC47-18579E12A5DF}"/>
-              </a:ext>
-            </a:extLst>
-          </p:cNvPr>
-          <p:cNvSpPr txBox="1"/>
-          <p:nvPr/>
-        </p:nvSpPr>
-        <p:spPr>
-          <a:xfrm>
-            <a:off x="6999800" y="339449"/>
-            <a:ext cx="3659079" cy="1477328"/>
-          </a:xfrm>
-          <a:prstGeom prst="rect">
-            <a:avLst/>
-          </a:prstGeom>
-          <a:noFill/>
-        </p:spPr>
-        <p:txBody>
-          <a:bodyPr wrap="none" rtlCol="0">
-            <a:spAutoFit/>
-          </a:bodyPr>
-          <a:lstStyle/>
-          <a:p>
-            <a:r>
-              <a:rPr lang="pl-PL" sz="1600" b="1" dirty="0"/>
-              <a:t>STACKING REGRESSOR:</a:t>
-            </a:r>
-          </a:p>
-          <a:p>
-            <a:r>
-              <a:rPr lang="pl-PL" sz="1200" b="1" dirty="0"/>
-              <a:t>Standard </a:t>
-            </a:r>
-            <a:r>
-              <a:rPr lang="pl-PL" sz="1200" b="1" dirty="0" err="1"/>
-              <a:t>Scaler</a:t>
-            </a:r>
-            <a:r>
-              <a:rPr lang="pl-PL" sz="1200" b="1" dirty="0"/>
-              <a:t> + </a:t>
-            </a:r>
-            <a:r>
-              <a:rPr lang="pl-PL" sz="1200" b="1" dirty="0" err="1"/>
-              <a:t>ElasticNet</a:t>
-            </a:r>
-            <a:endParaRPr lang="pl-PL" sz="1200" b="1" dirty="0"/>
-          </a:p>
-          <a:p>
-            <a:r>
-              <a:rPr lang="pl-PL" sz="1200" b="1" dirty="0" err="1"/>
-              <a:t>Ridge</a:t>
-            </a:r>
-            <a:r>
-              <a:rPr lang="pl-PL" sz="1200" b="1" dirty="0"/>
-              <a:t> </a:t>
-            </a:r>
-            <a:r>
-              <a:rPr lang="pl-PL" sz="1200" b="1" dirty="0" err="1"/>
-              <a:t>Regression</a:t>
-            </a:r>
-            <a:endParaRPr lang="pl-PL" sz="1200" b="1" dirty="0"/>
-          </a:p>
-          <a:p>
-            <a:r>
-              <a:rPr lang="pl-PL" sz="1200" b="1" dirty="0"/>
-              <a:t>Standard </a:t>
-            </a:r>
-            <a:r>
-              <a:rPr lang="pl-PL" sz="1200" b="1" dirty="0" err="1"/>
-              <a:t>Scaler</a:t>
-            </a:r>
-            <a:r>
-              <a:rPr lang="pl-PL" sz="1200" b="1" dirty="0"/>
-              <a:t> + </a:t>
-            </a:r>
-            <a:r>
-              <a:rPr lang="pl-PL" sz="1200" b="1" dirty="0" err="1"/>
-              <a:t>Polynomial</a:t>
-            </a:r>
-            <a:r>
-              <a:rPr lang="pl-PL" sz="1200" b="1" dirty="0"/>
-              <a:t> </a:t>
-            </a:r>
-            <a:r>
-              <a:rPr lang="pl-PL" sz="1200" b="1" dirty="0" err="1"/>
-              <a:t>Features</a:t>
-            </a:r>
-            <a:r>
-              <a:rPr lang="pl-PL" sz="1200" b="1" dirty="0"/>
-              <a:t> + </a:t>
-            </a:r>
-            <a:r>
-              <a:rPr lang="pl-PL" sz="1200" b="1" dirty="0" err="1"/>
-              <a:t>XGBRegressor</a:t>
-            </a:r>
-            <a:endParaRPr lang="pl-PL" sz="1200" b="1" dirty="0"/>
-          </a:p>
-          <a:p>
-            <a:endParaRPr lang="pl-PL" sz="1200" b="1" dirty="0"/>
-          </a:p>
-          <a:p>
-            <a:r>
-              <a:rPr lang="pl-PL" sz="1200" b="1" dirty="0" err="1"/>
-              <a:t>Final</a:t>
-            </a:r>
-            <a:r>
-              <a:rPr lang="pl-PL" sz="1200" b="1" dirty="0"/>
-              <a:t> </a:t>
-            </a:r>
-            <a:r>
-              <a:rPr lang="pl-PL" sz="1200" b="1" dirty="0" err="1"/>
-              <a:t>Estimator</a:t>
-            </a:r>
-            <a:r>
-              <a:rPr lang="pl-PL" sz="1200" b="1" dirty="0"/>
-              <a:t>: </a:t>
-            </a:r>
-            <a:r>
-              <a:rPr lang="pl-PL" sz="1200" b="1" dirty="0" err="1"/>
-              <a:t>RidgeCV</a:t>
-            </a:r>
-            <a:endParaRPr lang="pl-PL" sz="1200" b="1" dirty="0"/>
-          </a:p>
-          <a:p>
-            <a:endParaRPr lang="pl-PL" sz="1200" b="1" dirty="0"/>
-          </a:p>
-        </p:txBody>
-      </p:sp>
-      <p:pic>
-        <p:nvPicPr>
-          <p:cNvPr id="7171" name="Picture 3">
-            <a:extLst>
-              <a:ext uri="{FF2B5EF4-FFF2-40B4-BE49-F238E27FC236}">
-                <a16:creationId xmlns:a16="http://schemas.microsoft.com/office/drawing/2014/main" id="{DDEF43C2-B20C-407D-9656-54E197614327}"/>
-              </a:ext>
-            </a:extLst>
-          </p:cNvPr>
-          <p:cNvPicPr>
-            <a:picLocks noChangeAspect="1" noChangeArrowheads="1"/>
-          </p:cNvPicPr>
-          <p:nvPr/>
-        </p:nvPicPr>
-        <p:blipFill>
-          <a:blip r:embed="rId2">
-            <a:extLst>
-              <a:ext uri="{28A0092B-C50C-407E-A947-70E740481C1C}">
-                <a14:useLocalDpi xmlns:a14="http://schemas.microsoft.com/office/drawing/2010/main" val="0"/>
-              </a:ext>
-            </a:extLst>
-          </a:blip>
-          <a:srcRect/>
-          <a:stretch>
-            <a:fillRect/>
-          </a:stretch>
-        </p:blipFill>
-        <p:spPr bwMode="auto">
-          <a:xfrm>
-            <a:off x="1293522" y="4206081"/>
-            <a:ext cx="3705225" cy="2524125"/>
-          </a:xfrm>
-          <a:prstGeom prst="rect">
-            <a:avLst/>
-          </a:prstGeom>
-          <a:noFill/>
-          <a:extLst>
-            <a:ext uri="{909E8E84-426E-40DD-AFC4-6F175D3DCCD1}">
-              <a14:hiddenFill xmlns:a14="http://schemas.microsoft.com/office/drawing/2010/main">
-                <a:solidFill>
-                  <a:srgbClr val="FFFFFF"/>
-                </a:solidFill>
-              </a14:hiddenFill>
-            </a:ext>
-          </a:extLst>
-        </p:spPr>
-      </p:pic>
-      <p:pic>
-        <p:nvPicPr>
-          <p:cNvPr id="7173" name="Picture 5">
-            <a:extLst>
-              <a:ext uri="{FF2B5EF4-FFF2-40B4-BE49-F238E27FC236}">
-                <a16:creationId xmlns:a16="http://schemas.microsoft.com/office/drawing/2014/main" id="{5D7DA7A2-48AE-4721-803F-7448CC4D4100}"/>
-              </a:ext>
-            </a:extLst>
-          </p:cNvPr>
-          <p:cNvPicPr>
-            <a:picLocks noChangeAspect="1" noChangeArrowheads="1"/>
-          </p:cNvPicPr>
-          <p:nvPr/>
-        </p:nvPicPr>
-        <p:blipFill>
-          <a:blip r:embed="rId3">
-            <a:extLst>
-              <a:ext uri="{28A0092B-C50C-407E-A947-70E740481C1C}">
-                <a14:useLocalDpi xmlns:a14="http://schemas.microsoft.com/office/drawing/2010/main" val="0"/>
-              </a:ext>
-            </a:extLst>
-          </a:blip>
-          <a:srcRect/>
-          <a:stretch>
-            <a:fillRect/>
-          </a:stretch>
-        </p:blipFill>
-        <p:spPr bwMode="auto">
-          <a:xfrm>
-            <a:off x="6999800" y="4206080"/>
-            <a:ext cx="3705225" cy="2524125"/>
-          </a:xfrm>
-          <a:prstGeom prst="rect">
-            <a:avLst/>
-          </a:prstGeom>
-          <a:noFill/>
-          <a:extLst>
-            <a:ext uri="{909E8E84-426E-40DD-AFC4-6F175D3DCCD1}">
-              <a14:hiddenFill xmlns:a14="http://schemas.microsoft.com/office/drawing/2010/main">
-                <a:solidFill>
-                  <a:srgbClr val="FFFFFF"/>
-                </a:solidFill>
-              </a14:hiddenFill>
-            </a:ext>
-          </a:extLst>
-        </p:spPr>
-      </p:pic>
     </p:spTree>
     <p:extLst>
       <p:ext uri="{BB962C8B-B14F-4D97-AF65-F5344CB8AC3E}">
-        <p14:creationId xmlns:p14="http://schemas.microsoft.com/office/powerpoint/2010/main" val="649561484"/>
+        <p14:creationId xmlns:p14="http://schemas.microsoft.com/office/powerpoint/2010/main" val="2588094571"/>
       </p:ext>
     </p:extLst>
   </p:cSld>
@@ -9831,7 +9376,7 @@
 </p:sld>
 </file>
 
-<file path=ppt/slides/slide8.xml><?xml version="1.0" encoding="utf-8"?>
+<file path=ppt/slides/slide6.xml><?xml version="1.0" encoding="utf-8"?>
 <p:sld xmlns:a="http://schemas.openxmlformats.org/drawingml/2006/main" xmlns:r="http://schemas.openxmlformats.org/officeDocument/2006/relationships" xmlns:p="http://schemas.openxmlformats.org/presentationml/2006/main">
   <p:cSld>
     <p:spTree>
@@ -10007,7 +9552,7 @@
 </p:sld>
 </file>
 
-<file path=ppt/slides/slide9.xml><?xml version="1.0" encoding="utf-8"?>
+<file path=ppt/slides/slide7.xml><?xml version="1.0" encoding="utf-8"?>
 <p:sld xmlns:a="http://schemas.openxmlformats.org/drawingml/2006/main" xmlns:r="http://schemas.openxmlformats.org/officeDocument/2006/relationships" xmlns:p="http://schemas.openxmlformats.org/presentationml/2006/main">
   <p:cSld>
     <p:spTree>
@@ -10053,7 +9598,7 @@
         </p:blipFill>
         <p:spPr bwMode="auto">
           <a:xfrm>
-            <a:off x="344236" y="1661821"/>
+            <a:off x="6096000" y="1764255"/>
             <a:ext cx="5540557" cy="3951053"/>
           </a:xfrm>
           <a:prstGeom prst="rect">
@@ -10100,7 +9645,7 @@
         </p:blipFill>
         <p:spPr bwMode="auto">
           <a:xfrm>
-            <a:off x="6209462" y="1729406"/>
+            <a:off x="359954" y="1729404"/>
             <a:ext cx="5638302" cy="4020756"/>
           </a:xfrm>
           <a:prstGeom prst="rect">
@@ -10174,6 +9719,264 @@
     <p:extLst>
       <p:ext uri="{BB962C8B-B14F-4D97-AF65-F5344CB8AC3E}">
         <p14:creationId xmlns:p14="http://schemas.microsoft.com/office/powerpoint/2010/main" val="3360259261"/>
+      </p:ext>
+    </p:extLst>
+  </p:cSld>
+  <p:clrMapOvr>
+    <a:masterClrMapping/>
+  </p:clrMapOvr>
+</p:sld>
+</file>
+
+<file path=ppt/slides/slide8.xml><?xml version="1.0" encoding="utf-8"?>
+<p:sld xmlns:a="http://schemas.openxmlformats.org/drawingml/2006/main" xmlns:r="http://schemas.openxmlformats.org/officeDocument/2006/relationships" xmlns:p="http://schemas.openxmlformats.org/presentationml/2006/main">
+  <p:cSld>
+    <p:spTree>
+      <p:nvGrpSpPr>
+        <p:cNvPr id="1" name=""/>
+        <p:cNvGrpSpPr/>
+        <p:nvPr/>
+      </p:nvGrpSpPr>
+      <p:grpSpPr>
+        <a:xfrm>
+          <a:off x="0" y="0"/>
+          <a:ext cx="0" cy="0"/>
+          <a:chOff x="0" y="0"/>
+          <a:chExt cx="0" cy="0"/>
+        </a:xfrm>
+      </p:grpSpPr>
+      <p:sp>
+        <p:nvSpPr>
+          <p:cNvPr id="2" name="pole tekstowe 1">
+            <a:extLst>
+              <a:ext uri="{FF2B5EF4-FFF2-40B4-BE49-F238E27FC236}">
+                <a16:creationId xmlns:a16="http://schemas.microsoft.com/office/drawing/2014/main" id="{FE00E232-96E5-4DA9-9AD7-04D85C64748B}"/>
+              </a:ext>
+            </a:extLst>
+          </p:cNvPr>
+          <p:cNvSpPr txBox="1"/>
+          <p:nvPr/>
+        </p:nvSpPr>
+        <p:spPr>
+          <a:xfrm>
+            <a:off x="163523" y="127794"/>
+            <a:ext cx="11779335" cy="553998"/>
+          </a:xfrm>
+          <a:prstGeom prst="rect">
+            <a:avLst/>
+          </a:prstGeom>
+        </p:spPr>
+        <p:txBody>
+          <a:bodyPr vert="horz" lIns="91440" tIns="45720" rIns="91440" bIns="45720" rtlCol="0" anchor="b">
+            <a:normAutofit/>
+          </a:bodyPr>
+          <a:lstStyle>
+            <a:defPPr>
+              <a:defRPr lang="pl-PL"/>
+            </a:defPPr>
+            <a:lvl1pPr>
+              <a:lnSpc>
+                <a:spcPct val="90000"/>
+              </a:lnSpc>
+              <a:spcBef>
+                <a:spcPct val="0"/>
+              </a:spcBef>
+              <a:buNone/>
+              <a:defRPr sz="2800" b="1">
+                <a:latin typeface="+mj-lt"/>
+                <a:ea typeface="+mj-ea"/>
+                <a:cs typeface="+mj-cs"/>
+              </a:defRPr>
+            </a:lvl1pPr>
+          </a:lstStyle>
+          <a:p>
+            <a:r>
+              <a:rPr lang="pl-PL" dirty="0"/>
+              <a:t>Charakterystyka grup klientów w zależności od poziomu opłat</a:t>
+            </a:r>
+          </a:p>
+        </p:txBody>
+      </p:sp>
+      <p:pic>
+        <p:nvPicPr>
+          <p:cNvPr id="9218" name="Picture 2">
+            <a:extLst>
+              <a:ext uri="{FF2B5EF4-FFF2-40B4-BE49-F238E27FC236}">
+                <a16:creationId xmlns:a16="http://schemas.microsoft.com/office/drawing/2014/main" id="{D9D93183-8F0A-41E9-85AC-9C7E04D8D0D5}"/>
+              </a:ext>
+            </a:extLst>
+          </p:cNvPr>
+          <p:cNvPicPr>
+            <a:picLocks noChangeAspect="1" noChangeArrowheads="1"/>
+          </p:cNvPicPr>
+          <p:nvPr/>
+        </p:nvPicPr>
+        <p:blipFill>
+          <a:blip r:embed="rId2">
+            <a:extLst>
+              <a:ext uri="{28A0092B-C50C-407E-A947-70E740481C1C}">
+                <a14:useLocalDpi xmlns:a14="http://schemas.microsoft.com/office/drawing/2010/main" val="0"/>
+              </a:ext>
+            </a:extLst>
+          </a:blip>
+          <a:srcRect/>
+          <a:stretch>
+            <a:fillRect/>
+          </a:stretch>
+        </p:blipFill>
+        <p:spPr bwMode="auto">
+          <a:xfrm>
+            <a:off x="1193190" y="1483904"/>
+            <a:ext cx="9720000" cy="3890192"/>
+          </a:xfrm>
+          <a:prstGeom prst="rect">
+            <a:avLst/>
+          </a:prstGeom>
+          <a:noFill/>
+          <a:extLst>
+            <a:ext uri="{909E8E84-426E-40DD-AFC4-6F175D3DCCD1}">
+              <a14:hiddenFill xmlns:a14="http://schemas.microsoft.com/office/drawing/2010/main">
+                <a:solidFill>
+                  <a:srgbClr val="FFFFFF"/>
+                </a:solidFill>
+              </a14:hiddenFill>
+            </a:ext>
+          </a:extLst>
+        </p:spPr>
+      </p:pic>
+    </p:spTree>
+    <p:extLst>
+      <p:ext uri="{BB962C8B-B14F-4D97-AF65-F5344CB8AC3E}">
+        <p14:creationId xmlns:p14="http://schemas.microsoft.com/office/powerpoint/2010/main" val="1070335319"/>
+      </p:ext>
+    </p:extLst>
+  </p:cSld>
+  <p:clrMapOvr>
+    <a:masterClrMapping/>
+  </p:clrMapOvr>
+</p:sld>
+</file>
+
+<file path=ppt/slides/slide9.xml><?xml version="1.0" encoding="utf-8"?>
+<p:sld xmlns:a="http://schemas.openxmlformats.org/drawingml/2006/main" xmlns:r="http://schemas.openxmlformats.org/officeDocument/2006/relationships" xmlns:p="http://schemas.openxmlformats.org/presentationml/2006/main">
+  <p:cSld>
+    <p:spTree>
+      <p:nvGrpSpPr>
+        <p:cNvPr id="1" name=""/>
+        <p:cNvGrpSpPr/>
+        <p:nvPr/>
+      </p:nvGrpSpPr>
+      <p:grpSpPr>
+        <a:xfrm>
+          <a:off x="0" y="0"/>
+          <a:ext cx="0" cy="0"/>
+          <a:chOff x="0" y="0"/>
+          <a:chExt cx="0" cy="0"/>
+        </a:xfrm>
+      </p:grpSpPr>
+      <p:sp>
+        <p:nvSpPr>
+          <p:cNvPr id="2" name="pole tekstowe 1">
+            <a:extLst>
+              <a:ext uri="{FF2B5EF4-FFF2-40B4-BE49-F238E27FC236}">
+                <a16:creationId xmlns:a16="http://schemas.microsoft.com/office/drawing/2014/main" id="{089374FA-B15E-4E66-8B4E-3BE70443B168}"/>
+              </a:ext>
+            </a:extLst>
+          </p:cNvPr>
+          <p:cNvSpPr txBox="1"/>
+          <p:nvPr/>
+        </p:nvSpPr>
+        <p:spPr>
+          <a:xfrm>
+            <a:off x="163523" y="127794"/>
+            <a:ext cx="11779335" cy="553998"/>
+          </a:xfrm>
+          <a:prstGeom prst="rect">
+            <a:avLst/>
+          </a:prstGeom>
+        </p:spPr>
+        <p:txBody>
+          <a:bodyPr vert="horz" lIns="91440" tIns="45720" rIns="91440" bIns="45720" rtlCol="0" anchor="b">
+            <a:normAutofit/>
+          </a:bodyPr>
+          <a:lstStyle>
+            <a:defPPr>
+              <a:defRPr lang="pl-PL"/>
+            </a:defPPr>
+            <a:lvl1pPr>
+              <a:lnSpc>
+                <a:spcPct val="90000"/>
+              </a:lnSpc>
+              <a:spcBef>
+                <a:spcPct val="0"/>
+              </a:spcBef>
+              <a:buNone/>
+              <a:defRPr sz="2800" b="1">
+                <a:latin typeface="+mj-lt"/>
+                <a:ea typeface="+mj-ea"/>
+                <a:cs typeface="+mj-cs"/>
+              </a:defRPr>
+            </a:lvl1pPr>
+          </a:lstStyle>
+          <a:p>
+            <a:r>
+              <a:rPr lang="pl-PL" dirty="0"/>
+              <a:t>Charakterystyka grup klientów w zależności od poziomu opłat</a:t>
+            </a:r>
+          </a:p>
+        </p:txBody>
+      </p:sp>
+      <p:pic>
+        <p:nvPicPr>
+          <p:cNvPr id="11266" name="Picture 2">
+            <a:extLst>
+              <a:ext uri="{FF2B5EF4-FFF2-40B4-BE49-F238E27FC236}">
+                <a16:creationId xmlns:a16="http://schemas.microsoft.com/office/drawing/2014/main" id="{94C87C98-ACBB-40C5-BD6C-A42E39F079A8}"/>
+              </a:ext>
+            </a:extLst>
+          </p:cNvPr>
+          <p:cNvPicPr>
+            <a:picLocks noChangeAspect="1" noChangeArrowheads="1"/>
+          </p:cNvPicPr>
+          <p:nvPr/>
+        </p:nvPicPr>
+        <p:blipFill>
+          <a:blip r:embed="rId2">
+            <a:extLst>
+              <a:ext uri="{28A0092B-C50C-407E-A947-70E740481C1C}">
+                <a14:useLocalDpi xmlns:a14="http://schemas.microsoft.com/office/drawing/2010/main" val="0"/>
+              </a:ext>
+            </a:extLst>
+          </a:blip>
+          <a:srcRect/>
+          <a:stretch>
+            <a:fillRect/>
+          </a:stretch>
+        </p:blipFill>
+        <p:spPr bwMode="auto">
+          <a:xfrm>
+            <a:off x="1236000" y="1483904"/>
+            <a:ext cx="9720000" cy="3890192"/>
+          </a:xfrm>
+          <a:prstGeom prst="rect">
+            <a:avLst/>
+          </a:prstGeom>
+          <a:noFill/>
+          <a:extLst>
+            <a:ext uri="{909E8E84-426E-40DD-AFC4-6F175D3DCCD1}">
+              <a14:hiddenFill xmlns:a14="http://schemas.microsoft.com/office/drawing/2010/main">
+                <a:solidFill>
+                  <a:srgbClr val="FFFFFF"/>
+                </a:solidFill>
+              </a14:hiddenFill>
+            </a:ext>
+          </a:extLst>
+        </p:spPr>
+      </p:pic>
+    </p:spTree>
+    <p:extLst>
+      <p:ext uri="{BB962C8B-B14F-4D97-AF65-F5344CB8AC3E}">
+        <p14:creationId xmlns:p14="http://schemas.microsoft.com/office/powerpoint/2010/main" val="3577970137"/>
       </p:ext>
     </p:extLst>
   </p:cSld>
